--- a/Φαινόμενο Stroop vol3.pptx
+++ b/Φαινόμενο Stroop vol3.pptx
@@ -5444,7 +5444,7 @@
             </a:r>
             <a:r>
               <a:rPr lang="el-GR" dirty="0"/>
-              <a:t>συνάρτηση </a:t>
+              <a:t>χρήση των: </a:t>
             </a:r>
             <a:r>
               <a:rPr lang="en-US" dirty="0" err="1"/>
@@ -5490,7 +5490,7 @@
             </a:r>
             <a:r>
               <a:rPr lang="el-GR" dirty="0"/>
-              <a:t> συνάρτηση </a:t>
+              <a:t>χρήση των: </a:t>
             </a:r>
             <a:r>
               <a:rPr lang="en-US" dirty="0" err="1"/>
@@ -5498,7 +5498,23 @@
             </a:r>
             <a:r>
               <a:rPr lang="en-US" dirty="0"/>
-              <a:t>() )</a:t>
+              <a:t>()</a:t>
+            </a:r>
+            <a:r>
+              <a:rPr lang="el-GR" dirty="0"/>
+              <a:t> και </a:t>
+            </a:r>
+            <a:r>
+              <a:rPr lang="en-GB" dirty="0" err="1"/>
+              <a:t>time.sleep</a:t>
+            </a:r>
+            <a:r>
+              <a:rPr lang="en-GB" dirty="0"/>
+              <a:t>()</a:t>
+            </a:r>
+            <a:r>
+              <a:rPr lang="en-US" dirty="0"/>
+              <a:t> )</a:t>
             </a:r>
           </a:p>
           <a:p>
@@ -5516,7 +5532,7 @@
             </a:r>
             <a:r>
               <a:rPr lang="el-GR" dirty="0"/>
-              <a:t>εντολή </a:t>
+              <a:t>χρήση των: </a:t>
             </a:r>
             <a:r>
               <a:rPr lang="en-US" dirty="0" err="1"/>
@@ -5525,10 +5541,6 @@
             <a:r>
               <a:rPr lang="en-US" dirty="0"/>
               <a:t>(), </a:t>
-            </a:r>
-            <a:r>
-              <a:rPr lang="el-GR" dirty="0"/>
-              <a:t>εντολή </a:t>
             </a:r>
             <a:r>
               <a:rPr lang="en-US" dirty="0" err="1"/>
@@ -5584,7 +5596,7 @@
             </a:r>
             <a:r>
               <a:rPr lang="el-GR" dirty="0"/>
-              <a:t>εντολή </a:t>
+              <a:t>χρήση του: </a:t>
             </a:r>
             <a:r>
               <a:rPr lang="en-GB" dirty="0"/>
@@ -5611,11 +5623,11 @@
             </a:r>
             <a:r>
               <a:rPr lang="el-GR" dirty="0"/>
-              <a:t>συνάρτηση </a:t>
+              <a:t>χρήση του: </a:t>
             </a:r>
             <a:r>
               <a:rPr lang="en-US" dirty="0"/>
-              <a:t>update() , sleep(1)) </a:t>
+              <a:t>update() )</a:t>
             </a:r>
           </a:p>
           <a:p>
